--- a/PROJETO_FRONT-END_1.pptx
+++ b/PROJETO_FRONT-END_1.pptx
@@ -9,13 +9,16 @@
     <p:sldId id="257" r:id="rId3"/>
     <p:sldId id="267" r:id="rId4"/>
     <p:sldId id="258" r:id="rId5"/>
-    <p:sldId id="268" r:id="rId6"/>
+    <p:sldId id="271" r:id="rId6"/>
     <p:sldId id="266" r:id="rId7"/>
-    <p:sldId id="259" r:id="rId8"/>
-    <p:sldId id="260" r:id="rId9"/>
-    <p:sldId id="263" r:id="rId10"/>
-    <p:sldId id="265" r:id="rId11"/>
-    <p:sldId id="262" r:id="rId12"/>
+    <p:sldId id="268" r:id="rId8"/>
+    <p:sldId id="270" r:id="rId9"/>
+    <p:sldId id="269" r:id="rId10"/>
+    <p:sldId id="259" r:id="rId11"/>
+    <p:sldId id="260" r:id="rId12"/>
+    <p:sldId id="263" r:id="rId13"/>
+    <p:sldId id="265" r:id="rId14"/>
+    <p:sldId id="262" r:id="rId15"/>
   </p:sldIdLst>
   <p:sldSz cx="12192000" cy="6858000"/>
   <p:notesSz cx="6858000" cy="9144000"/>
@@ -269,7 +272,7 @@
           <a:p>
             <a:fld id="{DC6FF72A-A96B-4AFB-9AAD-837F5A62A5B6}" type="datetimeFigureOut">
               <a:rPr lang="pt-BR" smtClean="0"/>
-              <a:t>13/04/2023</a:t>
+              <a:t>27/04/2023</a:t>
             </a:fld>
             <a:endParaRPr lang="pt-BR"/>
           </a:p>
@@ -467,7 +470,7 @@
           <a:p>
             <a:fld id="{DC6FF72A-A96B-4AFB-9AAD-837F5A62A5B6}" type="datetimeFigureOut">
               <a:rPr lang="pt-BR" smtClean="0"/>
-              <a:t>13/04/2023</a:t>
+              <a:t>27/04/2023</a:t>
             </a:fld>
             <a:endParaRPr lang="pt-BR"/>
           </a:p>
@@ -675,7 +678,7 @@
           <a:p>
             <a:fld id="{DC6FF72A-A96B-4AFB-9AAD-837F5A62A5B6}" type="datetimeFigureOut">
               <a:rPr lang="pt-BR" smtClean="0"/>
-              <a:t>13/04/2023</a:t>
+              <a:t>27/04/2023</a:t>
             </a:fld>
             <a:endParaRPr lang="pt-BR"/>
           </a:p>
@@ -873,7 +876,7 @@
           <a:p>
             <a:fld id="{DC6FF72A-A96B-4AFB-9AAD-837F5A62A5B6}" type="datetimeFigureOut">
               <a:rPr lang="pt-BR" smtClean="0"/>
-              <a:t>13/04/2023</a:t>
+              <a:t>27/04/2023</a:t>
             </a:fld>
             <a:endParaRPr lang="pt-BR"/>
           </a:p>
@@ -1148,7 +1151,7 @@
           <a:p>
             <a:fld id="{DC6FF72A-A96B-4AFB-9AAD-837F5A62A5B6}" type="datetimeFigureOut">
               <a:rPr lang="pt-BR" smtClean="0"/>
-              <a:t>13/04/2023</a:t>
+              <a:t>27/04/2023</a:t>
             </a:fld>
             <a:endParaRPr lang="pt-BR"/>
           </a:p>
@@ -1413,7 +1416,7 @@
           <a:p>
             <a:fld id="{DC6FF72A-A96B-4AFB-9AAD-837F5A62A5B6}" type="datetimeFigureOut">
               <a:rPr lang="pt-BR" smtClean="0"/>
-              <a:t>13/04/2023</a:t>
+              <a:t>27/04/2023</a:t>
             </a:fld>
             <a:endParaRPr lang="pt-BR"/>
           </a:p>
@@ -1825,7 +1828,7 @@
           <a:p>
             <a:fld id="{DC6FF72A-A96B-4AFB-9AAD-837F5A62A5B6}" type="datetimeFigureOut">
               <a:rPr lang="pt-BR" smtClean="0"/>
-              <a:t>13/04/2023</a:t>
+              <a:t>27/04/2023</a:t>
             </a:fld>
             <a:endParaRPr lang="pt-BR"/>
           </a:p>
@@ -1966,7 +1969,7 @@
           <a:p>
             <a:fld id="{DC6FF72A-A96B-4AFB-9AAD-837F5A62A5B6}" type="datetimeFigureOut">
               <a:rPr lang="pt-BR" smtClean="0"/>
-              <a:t>13/04/2023</a:t>
+              <a:t>27/04/2023</a:t>
             </a:fld>
             <a:endParaRPr lang="pt-BR"/>
           </a:p>
@@ -2079,7 +2082,7 @@
           <a:p>
             <a:fld id="{DC6FF72A-A96B-4AFB-9AAD-837F5A62A5B6}" type="datetimeFigureOut">
               <a:rPr lang="pt-BR" smtClean="0"/>
-              <a:t>13/04/2023</a:t>
+              <a:t>27/04/2023</a:t>
             </a:fld>
             <a:endParaRPr lang="pt-BR"/>
           </a:p>
@@ -2390,7 +2393,7 @@
           <a:p>
             <a:fld id="{DC6FF72A-A96B-4AFB-9AAD-837F5A62A5B6}" type="datetimeFigureOut">
               <a:rPr lang="pt-BR" smtClean="0"/>
-              <a:t>13/04/2023</a:t>
+              <a:t>27/04/2023</a:t>
             </a:fld>
             <a:endParaRPr lang="pt-BR"/>
           </a:p>
@@ -2678,7 +2681,7 @@
           <a:p>
             <a:fld id="{DC6FF72A-A96B-4AFB-9AAD-837F5A62A5B6}" type="datetimeFigureOut">
               <a:rPr lang="pt-BR" smtClean="0"/>
-              <a:t>13/04/2023</a:t>
+              <a:t>27/04/2023</a:t>
             </a:fld>
             <a:endParaRPr lang="pt-BR"/>
           </a:p>
@@ -2922,7 +2925,7 @@
           <a:p>
             <a:fld id="{DC6FF72A-A96B-4AFB-9AAD-837F5A62A5B6}" type="datetimeFigureOut">
               <a:rPr lang="pt-BR" smtClean="0"/>
-              <a:t>13/04/2023</a:t>
+              <a:t>27/04/2023</a:t>
             </a:fld>
             <a:endParaRPr lang="pt-BR"/>
           </a:p>
@@ -3467,6 +3470,738 @@
         </p:nvSpPr>
         <p:spPr>
           <a:xfrm>
+            <a:off x="698687" y="419100"/>
+            <a:ext cx="8264338" cy="1046440"/>
+          </a:xfrm>
+          <a:prstGeom prst="rect">
+            <a:avLst/>
+          </a:prstGeom>
+          <a:noFill/>
+        </p:spPr>
+        <p:txBody>
+          <a:bodyPr wrap="square" rtlCol="0">
+            <a:spAutoFit/>
+          </a:bodyPr>
+          <a:lstStyle/>
+          <a:p>
+            <a:r>
+              <a:rPr lang="pt-BR" sz="4400" b="1" dirty="0">
+                <a:solidFill>
+                  <a:schemeClr val="bg1"/>
+                </a:solidFill>
+                <a:latin typeface="Bell MT" panose="02020503060305020303" pitchFamily="18" charset="0"/>
+              </a:rPr>
+              <a:t>REQUISITOS FUNCIONAIS</a:t>
+            </a:r>
+          </a:p>
+          <a:p>
+            <a:endParaRPr lang="pt-BR" dirty="0"/>
+          </a:p>
+        </p:txBody>
+      </p:sp>
+      <p:sp>
+        <p:nvSpPr>
+          <p:cNvPr id="3" name="CaixaDeTexto 2">
+            <a:extLst>
+              <a:ext uri="{FF2B5EF4-FFF2-40B4-BE49-F238E27FC236}">
+                <a16:creationId xmlns:a16="http://schemas.microsoft.com/office/drawing/2014/main" id="{CFC4ECA0-255A-4635-91F9-5BBFE452EE8E}"/>
+              </a:ext>
+            </a:extLst>
+          </p:cNvPr>
+          <p:cNvSpPr txBox="1"/>
+          <p:nvPr/>
+        </p:nvSpPr>
+        <p:spPr>
+          <a:xfrm>
+            <a:off x="536701" y="1835654"/>
+            <a:ext cx="11118597" cy="4401205"/>
+          </a:xfrm>
+          <a:prstGeom prst="rect">
+            <a:avLst/>
+          </a:prstGeom>
+          <a:noFill/>
+        </p:spPr>
+        <p:txBody>
+          <a:bodyPr wrap="square" rtlCol="0">
+            <a:spAutoFit/>
+          </a:bodyPr>
+          <a:lstStyle/>
+          <a:p>
+            <a:pPr algn="l">
+              <a:buFont typeface="Arial" panose="020B0604020202020204" pitchFamily="34" charset="0"/>
+              <a:buChar char="•"/>
+            </a:pPr>
+            <a:r>
+              <a:rPr lang="pt-BR" sz="2000" b="0" i="0" dirty="0">
+                <a:solidFill>
+                  <a:schemeClr val="bg1"/>
+                </a:solidFill>
+                <a:effectLst/>
+                <a:latin typeface="Bell MT" panose="02020503060305020303" pitchFamily="18" charset="0"/>
+              </a:rPr>
+              <a:t>RF-1: O sistema deve definir SLA (documento que define as diretrizes operacionais, normas, procedimentos e métricas que devem ser seguidas por sua equipe de suporte, a fim de garantir o nível de satisfação dos clientes ideal) para cada tipo de chamado. (requisito normal)</a:t>
+            </a:r>
+          </a:p>
+          <a:p>
+            <a:pPr algn="l">
+              <a:buFont typeface="Arial" panose="020B0604020202020204" pitchFamily="34" charset="0"/>
+              <a:buChar char="•"/>
+            </a:pPr>
+            <a:endParaRPr lang="pt-BR" sz="2000" b="0" i="0" dirty="0">
+              <a:solidFill>
+                <a:schemeClr val="bg1"/>
+              </a:solidFill>
+              <a:effectLst/>
+              <a:latin typeface="Bell MT" panose="02020503060305020303" pitchFamily="18" charset="0"/>
+            </a:endParaRPr>
+          </a:p>
+          <a:p>
+            <a:pPr algn="l"/>
+            <a:endParaRPr lang="pt-BR" sz="2000" b="0" i="0" dirty="0">
+              <a:solidFill>
+                <a:schemeClr val="bg1"/>
+              </a:solidFill>
+              <a:effectLst/>
+              <a:latin typeface="Bell MT" panose="02020503060305020303" pitchFamily="18" charset="0"/>
+            </a:endParaRPr>
+          </a:p>
+          <a:p>
+            <a:pPr algn="l">
+              <a:buFont typeface="Arial" panose="020B0604020202020204" pitchFamily="34" charset="0"/>
+              <a:buChar char="•"/>
+            </a:pPr>
+            <a:r>
+              <a:rPr lang="pt-BR" sz="2000" b="0" i="0" dirty="0">
+                <a:solidFill>
+                  <a:schemeClr val="bg1"/>
+                </a:solidFill>
+                <a:effectLst/>
+                <a:latin typeface="Bell MT" panose="02020503060305020303" pitchFamily="18" charset="0"/>
+              </a:rPr>
+              <a:t>RF-2: O sistema deve apresentar uma área de avaliação do serviço. (requisito normal)</a:t>
+            </a:r>
+          </a:p>
+          <a:p>
+            <a:pPr algn="l"/>
+            <a:endParaRPr lang="pt-BR" sz="2000" b="0" i="0" dirty="0">
+              <a:solidFill>
+                <a:schemeClr val="bg1"/>
+              </a:solidFill>
+              <a:effectLst/>
+              <a:latin typeface="Bell MT" panose="02020503060305020303" pitchFamily="18" charset="0"/>
+            </a:endParaRPr>
+          </a:p>
+          <a:p>
+            <a:pPr algn="l"/>
+            <a:endParaRPr lang="pt-BR" sz="2000" b="0" i="0" dirty="0">
+              <a:solidFill>
+                <a:schemeClr val="bg1"/>
+              </a:solidFill>
+              <a:effectLst/>
+              <a:latin typeface="Bell MT" panose="02020503060305020303" pitchFamily="18" charset="0"/>
+            </a:endParaRPr>
+          </a:p>
+          <a:p>
+            <a:pPr algn="l">
+              <a:buFont typeface="Arial" panose="020B0604020202020204" pitchFamily="34" charset="0"/>
+              <a:buChar char="•"/>
+            </a:pPr>
+            <a:r>
+              <a:rPr lang="pt-BR" sz="2000" b="0" i="0" dirty="0">
+                <a:solidFill>
+                  <a:schemeClr val="bg1"/>
+                </a:solidFill>
+                <a:effectLst/>
+                <a:latin typeface="Bell MT" panose="02020503060305020303" pitchFamily="18" charset="0"/>
+              </a:rPr>
+              <a:t>RF-3: O sistema deve permitir que o chamado seja alterado mesmo após ele estar em andamento, como mudança de departamento do chamado. (requisito normal)</a:t>
+            </a:r>
+          </a:p>
+          <a:p>
+            <a:pPr algn="l">
+              <a:buFont typeface="Arial" panose="020B0604020202020204" pitchFamily="34" charset="0"/>
+              <a:buChar char="•"/>
+            </a:pPr>
+            <a:endParaRPr lang="pt-BR" sz="2000" b="0" i="0" dirty="0">
+              <a:solidFill>
+                <a:schemeClr val="bg1"/>
+              </a:solidFill>
+              <a:effectLst/>
+              <a:latin typeface="Bell MT" panose="02020503060305020303" pitchFamily="18" charset="0"/>
+            </a:endParaRPr>
+          </a:p>
+          <a:p>
+            <a:pPr algn="l"/>
+            <a:endParaRPr lang="pt-BR" sz="2000" b="0" i="0" dirty="0">
+              <a:solidFill>
+                <a:schemeClr val="bg1"/>
+              </a:solidFill>
+              <a:effectLst/>
+              <a:latin typeface="Bell MT" panose="02020503060305020303" pitchFamily="18" charset="0"/>
+            </a:endParaRPr>
+          </a:p>
+          <a:p>
+            <a:pPr algn="l">
+              <a:buFont typeface="Arial" panose="020B0604020202020204" pitchFamily="34" charset="0"/>
+              <a:buChar char="•"/>
+            </a:pPr>
+            <a:r>
+              <a:rPr lang="pt-BR" sz="2000" b="0" i="0" dirty="0">
+                <a:solidFill>
+                  <a:schemeClr val="bg1"/>
+                </a:solidFill>
+                <a:effectLst/>
+                <a:latin typeface="Bell MT" panose="02020503060305020303" pitchFamily="18" charset="0"/>
+              </a:rPr>
+              <a:t>RF-4: O sistema deve possuir um prazo (timeout) para o chamado continuar aberto. (requisito normal)</a:t>
+            </a:r>
+          </a:p>
+          <a:p>
+            <a:pPr algn="l"/>
+            <a:endParaRPr lang="pt-BR" sz="2000" b="0" i="0" dirty="0">
+              <a:solidFill>
+                <a:schemeClr val="bg1"/>
+              </a:solidFill>
+              <a:effectLst/>
+              <a:latin typeface="Bell MT" panose="02020503060305020303" pitchFamily="18" charset="0"/>
+            </a:endParaRPr>
+          </a:p>
+        </p:txBody>
+      </p:sp>
+    </p:spTree>
+    <p:extLst>
+      <p:ext uri="{BB962C8B-B14F-4D97-AF65-F5344CB8AC3E}">
+        <p14:creationId xmlns:p14="http://schemas.microsoft.com/office/powerpoint/2010/main" val="2918925077"/>
+      </p:ext>
+    </p:extLst>
+  </p:cSld>
+  <p:clrMapOvr>
+    <a:masterClrMapping/>
+  </p:clrMapOvr>
+</p:sld>
+</file>
+
+<file path=ppt/slides/slide11.xml><?xml version="1.0" encoding="utf-8"?>
+<p:sld xmlns:a="http://schemas.openxmlformats.org/drawingml/2006/main" xmlns:r="http://schemas.openxmlformats.org/officeDocument/2006/relationships" xmlns:p="http://schemas.openxmlformats.org/presentationml/2006/main">
+  <p:cSld>
+    <p:spTree>
+      <p:nvGrpSpPr>
+        <p:cNvPr id="1" name=""/>
+        <p:cNvGrpSpPr/>
+        <p:nvPr/>
+      </p:nvGrpSpPr>
+      <p:grpSpPr>
+        <a:xfrm>
+          <a:off x="0" y="0"/>
+          <a:ext cx="0" cy="0"/>
+          <a:chOff x="0" y="0"/>
+          <a:chExt cx="0" cy="0"/>
+        </a:xfrm>
+      </p:grpSpPr>
+      <p:sp>
+        <p:nvSpPr>
+          <p:cNvPr id="2" name="CaixaDeTexto 1">
+            <a:extLst>
+              <a:ext uri="{FF2B5EF4-FFF2-40B4-BE49-F238E27FC236}">
+                <a16:creationId xmlns:a16="http://schemas.microsoft.com/office/drawing/2014/main" id="{30BF49DF-E240-4E73-A2B7-19CA198B8DEE}"/>
+              </a:ext>
+            </a:extLst>
+          </p:cNvPr>
+          <p:cNvSpPr txBox="1"/>
+          <p:nvPr/>
+        </p:nvSpPr>
+        <p:spPr>
+          <a:xfrm>
+            <a:off x="705888" y="425903"/>
+            <a:ext cx="8116020" cy="1046440"/>
+          </a:xfrm>
+          <a:prstGeom prst="rect">
+            <a:avLst/>
+          </a:prstGeom>
+          <a:noFill/>
+        </p:spPr>
+        <p:txBody>
+          <a:bodyPr wrap="square" rtlCol="0">
+            <a:spAutoFit/>
+          </a:bodyPr>
+          <a:lstStyle/>
+          <a:p>
+            <a:r>
+              <a:rPr lang="pt-BR" sz="4400" b="1" dirty="0">
+                <a:solidFill>
+                  <a:schemeClr val="bg1"/>
+                </a:solidFill>
+                <a:latin typeface="Bell MT" panose="02020503060305020303" pitchFamily="18" charset="0"/>
+              </a:rPr>
+              <a:t>REQUISITOS FUNCIONAIS</a:t>
+            </a:r>
+          </a:p>
+          <a:p>
+            <a:endParaRPr lang="pt-BR" dirty="0"/>
+          </a:p>
+        </p:txBody>
+      </p:sp>
+      <p:sp>
+        <p:nvSpPr>
+          <p:cNvPr id="3" name="CaixaDeTexto 2">
+            <a:extLst>
+              <a:ext uri="{FF2B5EF4-FFF2-40B4-BE49-F238E27FC236}">
+                <a16:creationId xmlns:a16="http://schemas.microsoft.com/office/drawing/2014/main" id="{CFC4ECA0-255A-4635-91F9-5BBFE452EE8E}"/>
+              </a:ext>
+            </a:extLst>
+          </p:cNvPr>
+          <p:cNvSpPr txBox="1"/>
+          <p:nvPr/>
+        </p:nvSpPr>
+        <p:spPr>
+          <a:xfrm>
+            <a:off x="509946" y="1833064"/>
+            <a:ext cx="10996253" cy="4401205"/>
+          </a:xfrm>
+          <a:prstGeom prst="rect">
+            <a:avLst/>
+          </a:prstGeom>
+          <a:noFill/>
+        </p:spPr>
+        <p:txBody>
+          <a:bodyPr wrap="square" rtlCol="0">
+            <a:spAutoFit/>
+          </a:bodyPr>
+          <a:lstStyle/>
+          <a:p>
+            <a:pPr algn="l">
+              <a:buFont typeface="Arial" panose="020B0604020202020204" pitchFamily="34" charset="0"/>
+              <a:buChar char="•"/>
+            </a:pPr>
+            <a:r>
+              <a:rPr lang="pt-BR" sz="2000" b="0" i="0" dirty="0">
+                <a:solidFill>
+                  <a:schemeClr val="bg1"/>
+                </a:solidFill>
+                <a:effectLst/>
+                <a:latin typeface="Bell MT" panose="02020503060305020303" pitchFamily="18" charset="0"/>
+              </a:rPr>
+              <a:t>RF-5: O sistema deve permitir que os chamados possam ser reabertos. (requisito normal)</a:t>
+            </a:r>
+          </a:p>
+          <a:p>
+            <a:pPr algn="l"/>
+            <a:endParaRPr lang="pt-BR" sz="2000" b="0" i="0" dirty="0">
+              <a:solidFill>
+                <a:schemeClr val="bg1"/>
+              </a:solidFill>
+              <a:effectLst/>
+              <a:latin typeface="Bell MT" panose="02020503060305020303" pitchFamily="18" charset="0"/>
+            </a:endParaRPr>
+          </a:p>
+          <a:p>
+            <a:pPr algn="l"/>
+            <a:endParaRPr lang="pt-BR" sz="2000" b="0" i="0" dirty="0">
+              <a:solidFill>
+                <a:schemeClr val="bg1"/>
+              </a:solidFill>
+              <a:effectLst/>
+              <a:latin typeface="Bell MT" panose="02020503060305020303" pitchFamily="18" charset="0"/>
+            </a:endParaRPr>
+          </a:p>
+          <a:p>
+            <a:pPr algn="l">
+              <a:buFont typeface="Arial" panose="020B0604020202020204" pitchFamily="34" charset="0"/>
+              <a:buChar char="•"/>
+            </a:pPr>
+            <a:r>
+              <a:rPr lang="pt-BR" sz="2000" b="0" i="0" dirty="0">
+                <a:solidFill>
+                  <a:schemeClr val="bg1"/>
+                </a:solidFill>
+                <a:effectLst/>
+                <a:latin typeface="Bell MT" panose="02020503060305020303" pitchFamily="18" charset="0"/>
+              </a:rPr>
+              <a:t>RF-6: O sistema deve possuir um dashboard para cada departamento. a quantidade de chamados abertos para o departamento. As seguintes informações: status de chamados, fluxos de chamados, não necessariamente os fechados, mas devem aparecer em buscas e quantos chamados fechados no dia. (requisito normal)</a:t>
+            </a:r>
+          </a:p>
+          <a:p>
+            <a:pPr algn="l">
+              <a:buFont typeface="Arial" panose="020B0604020202020204" pitchFamily="34" charset="0"/>
+              <a:buChar char="•"/>
+            </a:pPr>
+            <a:endParaRPr lang="pt-BR" sz="2000" dirty="0">
+              <a:solidFill>
+                <a:schemeClr val="bg1"/>
+              </a:solidFill>
+              <a:latin typeface="Bell MT" panose="02020503060305020303" pitchFamily="18" charset="0"/>
+            </a:endParaRPr>
+          </a:p>
+          <a:p>
+            <a:pPr algn="l">
+              <a:buFont typeface="Arial" panose="020B0604020202020204" pitchFamily="34" charset="0"/>
+              <a:buChar char="•"/>
+            </a:pPr>
+            <a:endParaRPr lang="pt-BR" sz="2000" b="0" i="0" dirty="0">
+              <a:solidFill>
+                <a:schemeClr val="bg1"/>
+              </a:solidFill>
+              <a:effectLst/>
+              <a:latin typeface="Bell MT" panose="02020503060305020303" pitchFamily="18" charset="0"/>
+            </a:endParaRPr>
+          </a:p>
+          <a:p>
+            <a:pPr algn="l">
+              <a:buFont typeface="Arial" panose="020B0604020202020204" pitchFamily="34" charset="0"/>
+              <a:buChar char="•"/>
+            </a:pPr>
+            <a:r>
+              <a:rPr lang="pt-BR" sz="2000" b="0" i="0" dirty="0">
+                <a:solidFill>
+                  <a:schemeClr val="bg1"/>
+                </a:solidFill>
+                <a:effectLst/>
+                <a:latin typeface="Bell MT" panose="02020503060305020303" pitchFamily="18" charset="0"/>
+              </a:rPr>
+              <a:t>RF-7: O sistema deve possuir uma área para chamados internos para a equipe de ti. (requisito normal)</a:t>
+            </a:r>
+          </a:p>
+          <a:p>
+            <a:pPr algn="l">
+              <a:buFont typeface="Arial" panose="020B0604020202020204" pitchFamily="34" charset="0"/>
+              <a:buChar char="•"/>
+            </a:pPr>
+            <a:endParaRPr lang="pt-BR" sz="2000" dirty="0">
+              <a:solidFill>
+                <a:schemeClr val="bg1"/>
+              </a:solidFill>
+              <a:latin typeface="Bell MT" panose="02020503060305020303" pitchFamily="18" charset="0"/>
+            </a:endParaRPr>
+          </a:p>
+          <a:p>
+            <a:pPr algn="l">
+              <a:buFont typeface="Arial" panose="020B0604020202020204" pitchFamily="34" charset="0"/>
+              <a:buChar char="•"/>
+            </a:pPr>
+            <a:endParaRPr lang="pt-BR" sz="2000" b="0" i="0" dirty="0">
+              <a:solidFill>
+                <a:schemeClr val="bg1"/>
+              </a:solidFill>
+              <a:effectLst/>
+              <a:latin typeface="Bell MT" panose="02020503060305020303" pitchFamily="18" charset="0"/>
+            </a:endParaRPr>
+          </a:p>
+          <a:p>
+            <a:pPr algn="l">
+              <a:buFont typeface="Arial" panose="020B0604020202020204" pitchFamily="34" charset="0"/>
+              <a:buChar char="•"/>
+            </a:pPr>
+            <a:r>
+              <a:rPr lang="pt-BR" sz="2000" b="0" i="0" dirty="0">
+                <a:solidFill>
+                  <a:schemeClr val="bg1"/>
+                </a:solidFill>
+                <a:effectLst/>
+                <a:latin typeface="Bell MT" panose="02020503060305020303" pitchFamily="18" charset="0"/>
+              </a:rPr>
+              <a:t>RF-8: O sistema deve verificar se o chamado pode ser visualizado pelos diferentes departamentos, interno (restrito) e externo (geral). (requisito normal)</a:t>
+            </a:r>
+          </a:p>
+        </p:txBody>
+      </p:sp>
+    </p:spTree>
+    <p:extLst>
+      <p:ext uri="{BB962C8B-B14F-4D97-AF65-F5344CB8AC3E}">
+        <p14:creationId xmlns:p14="http://schemas.microsoft.com/office/powerpoint/2010/main" val="3777919093"/>
+      </p:ext>
+    </p:extLst>
+  </p:cSld>
+  <p:clrMapOvr>
+    <a:masterClrMapping/>
+  </p:clrMapOvr>
+</p:sld>
+</file>
+
+<file path=ppt/slides/slide12.xml><?xml version="1.0" encoding="utf-8"?>
+<p:sld xmlns:a="http://schemas.openxmlformats.org/drawingml/2006/main" xmlns:r="http://schemas.openxmlformats.org/officeDocument/2006/relationships" xmlns:p="http://schemas.openxmlformats.org/presentationml/2006/main">
+  <p:cSld>
+    <p:spTree>
+      <p:nvGrpSpPr>
+        <p:cNvPr id="1" name=""/>
+        <p:cNvGrpSpPr/>
+        <p:nvPr/>
+      </p:nvGrpSpPr>
+      <p:grpSpPr>
+        <a:xfrm>
+          <a:off x="0" y="0"/>
+          <a:ext cx="0" cy="0"/>
+          <a:chOff x="0" y="0"/>
+          <a:chExt cx="0" cy="0"/>
+        </a:xfrm>
+      </p:grpSpPr>
+      <p:sp>
+        <p:nvSpPr>
+          <p:cNvPr id="2" name="CaixaDeTexto 1">
+            <a:extLst>
+              <a:ext uri="{FF2B5EF4-FFF2-40B4-BE49-F238E27FC236}">
+                <a16:creationId xmlns:a16="http://schemas.microsoft.com/office/drawing/2014/main" id="{30BF49DF-E240-4E73-A2B7-19CA198B8DEE}"/>
+              </a:ext>
+            </a:extLst>
+          </p:cNvPr>
+          <p:cNvSpPr txBox="1"/>
+          <p:nvPr/>
+        </p:nvSpPr>
+        <p:spPr>
+          <a:xfrm>
+            <a:off x="705888" y="425903"/>
+            <a:ext cx="8116020" cy="1046440"/>
+          </a:xfrm>
+          <a:prstGeom prst="rect">
+            <a:avLst/>
+          </a:prstGeom>
+          <a:noFill/>
+        </p:spPr>
+        <p:txBody>
+          <a:bodyPr wrap="square" rtlCol="0">
+            <a:spAutoFit/>
+          </a:bodyPr>
+          <a:lstStyle/>
+          <a:p>
+            <a:r>
+              <a:rPr lang="pt-BR" sz="4400" b="1" dirty="0">
+                <a:solidFill>
+                  <a:schemeClr val="bg1"/>
+                </a:solidFill>
+                <a:latin typeface="Bell MT" panose="02020503060305020303" pitchFamily="18" charset="0"/>
+              </a:rPr>
+              <a:t>REQUISITOS FUNCIONAIS</a:t>
+            </a:r>
+          </a:p>
+          <a:p>
+            <a:endParaRPr lang="pt-BR" dirty="0"/>
+          </a:p>
+        </p:txBody>
+      </p:sp>
+      <p:sp>
+        <p:nvSpPr>
+          <p:cNvPr id="3" name="CaixaDeTexto 2">
+            <a:extLst>
+              <a:ext uri="{FF2B5EF4-FFF2-40B4-BE49-F238E27FC236}">
+                <a16:creationId xmlns:a16="http://schemas.microsoft.com/office/drawing/2014/main" id="{CFC4ECA0-255A-4635-91F9-5BBFE452EE8E}"/>
+              </a:ext>
+            </a:extLst>
+          </p:cNvPr>
+          <p:cNvSpPr txBox="1"/>
+          <p:nvPr/>
+        </p:nvSpPr>
+        <p:spPr>
+          <a:xfrm>
+            <a:off x="509946" y="1833064"/>
+            <a:ext cx="10996253" cy="3785652"/>
+          </a:xfrm>
+          <a:prstGeom prst="rect">
+            <a:avLst/>
+          </a:prstGeom>
+          <a:noFill/>
+        </p:spPr>
+        <p:txBody>
+          <a:bodyPr wrap="square" rtlCol="0">
+            <a:spAutoFit/>
+          </a:bodyPr>
+          <a:lstStyle/>
+          <a:p>
+            <a:pPr algn="l">
+              <a:buFont typeface="Arial" panose="020B0604020202020204" pitchFamily="34" charset="0"/>
+              <a:buChar char="•"/>
+            </a:pPr>
+            <a:r>
+              <a:rPr lang="pt-BR" sz="2000" b="0" i="0" dirty="0">
+                <a:solidFill>
+                  <a:schemeClr val="bg1"/>
+                </a:solidFill>
+                <a:effectLst/>
+                <a:latin typeface="Bell MT" panose="02020503060305020303" pitchFamily="18" charset="0"/>
+              </a:rPr>
+              <a:t>RF-9: O sistema deve classificar cada chamado, como aberto, pendente ou expirado. (requisito normal)</a:t>
+            </a:r>
+          </a:p>
+          <a:p>
+            <a:pPr algn="l">
+              <a:buFont typeface="Arial" panose="020B0604020202020204" pitchFamily="34" charset="0"/>
+              <a:buChar char="•"/>
+            </a:pPr>
+            <a:endParaRPr lang="pt-BR" sz="2000" dirty="0">
+              <a:solidFill>
+                <a:schemeClr val="bg1"/>
+              </a:solidFill>
+              <a:latin typeface="Bell MT" panose="02020503060305020303" pitchFamily="18" charset="0"/>
+            </a:endParaRPr>
+          </a:p>
+          <a:p>
+            <a:pPr algn="l">
+              <a:buFont typeface="Arial" panose="020B0604020202020204" pitchFamily="34" charset="0"/>
+              <a:buChar char="•"/>
+            </a:pPr>
+            <a:endParaRPr lang="pt-BR" sz="2000" b="0" i="0" dirty="0">
+              <a:solidFill>
+                <a:schemeClr val="bg1"/>
+              </a:solidFill>
+              <a:effectLst/>
+              <a:latin typeface="Bell MT" panose="02020503060305020303" pitchFamily="18" charset="0"/>
+            </a:endParaRPr>
+          </a:p>
+          <a:p>
+            <a:pPr algn="l">
+              <a:buFont typeface="Arial" panose="020B0604020202020204" pitchFamily="34" charset="0"/>
+              <a:buChar char="•"/>
+            </a:pPr>
+            <a:r>
+              <a:rPr lang="pt-BR" sz="2000" b="0" i="0" dirty="0">
+                <a:solidFill>
+                  <a:schemeClr val="bg1"/>
+                </a:solidFill>
+                <a:effectLst/>
+                <a:latin typeface="Bell MT" panose="02020503060305020303" pitchFamily="18" charset="0"/>
+              </a:rPr>
+              <a:t>RF-10: Não deve ser necessária a autenticação para a abertura de um chamado. (requisito normal)</a:t>
+            </a:r>
+          </a:p>
+          <a:p>
+            <a:pPr algn="l">
+              <a:buFont typeface="Arial" panose="020B0604020202020204" pitchFamily="34" charset="0"/>
+              <a:buChar char="•"/>
+            </a:pPr>
+            <a:endParaRPr lang="pt-BR" sz="2000" dirty="0">
+              <a:solidFill>
+                <a:schemeClr val="bg1"/>
+              </a:solidFill>
+              <a:latin typeface="Bell MT" panose="02020503060305020303" pitchFamily="18" charset="0"/>
+            </a:endParaRPr>
+          </a:p>
+          <a:p>
+            <a:pPr algn="l">
+              <a:buFont typeface="Arial" panose="020B0604020202020204" pitchFamily="34" charset="0"/>
+              <a:buChar char="•"/>
+            </a:pPr>
+            <a:endParaRPr lang="pt-BR" sz="2000" b="0" i="0" dirty="0">
+              <a:solidFill>
+                <a:schemeClr val="bg1"/>
+              </a:solidFill>
+              <a:effectLst/>
+              <a:latin typeface="Bell MT" panose="02020503060305020303" pitchFamily="18" charset="0"/>
+            </a:endParaRPr>
+          </a:p>
+          <a:p>
+            <a:pPr algn="l">
+              <a:buFont typeface="Arial" panose="020B0604020202020204" pitchFamily="34" charset="0"/>
+              <a:buChar char="•"/>
+            </a:pPr>
+            <a:r>
+              <a:rPr lang="pt-BR" sz="2000" b="0" i="0" dirty="0">
+                <a:solidFill>
+                  <a:schemeClr val="bg1"/>
+                </a:solidFill>
+                <a:effectLst/>
+                <a:latin typeface="Bell MT" panose="02020503060305020303" pitchFamily="18" charset="0"/>
+              </a:rPr>
+              <a:t>RF-11: O sistema deve armazenar os dados dos chamados, como nome, número de celular, departamento (pode ser alterado), técnico, e exibir no dashboard. (requisito normal)</a:t>
+            </a:r>
+          </a:p>
+          <a:p>
+            <a:pPr algn="l">
+              <a:buFont typeface="Arial" panose="020B0604020202020204" pitchFamily="34" charset="0"/>
+              <a:buChar char="•"/>
+            </a:pPr>
+            <a:endParaRPr lang="pt-BR" sz="2000" dirty="0">
+              <a:solidFill>
+                <a:schemeClr val="bg1"/>
+              </a:solidFill>
+              <a:latin typeface="Bell MT" panose="02020503060305020303" pitchFamily="18" charset="0"/>
+            </a:endParaRPr>
+          </a:p>
+          <a:p>
+            <a:pPr algn="l">
+              <a:buFont typeface="Arial" panose="020B0604020202020204" pitchFamily="34" charset="0"/>
+              <a:buChar char="•"/>
+            </a:pPr>
+            <a:endParaRPr lang="pt-BR" sz="2000" b="0" i="0" dirty="0">
+              <a:solidFill>
+                <a:schemeClr val="bg1"/>
+              </a:solidFill>
+              <a:effectLst/>
+              <a:latin typeface="Bell MT" panose="02020503060305020303" pitchFamily="18" charset="0"/>
+            </a:endParaRPr>
+          </a:p>
+          <a:p>
+            <a:pPr algn="l">
+              <a:buFont typeface="Arial" panose="020B0604020202020204" pitchFamily="34" charset="0"/>
+              <a:buChar char="•"/>
+            </a:pPr>
+            <a:r>
+              <a:rPr lang="pt-BR" sz="2000" b="0" i="0" dirty="0">
+                <a:solidFill>
+                  <a:schemeClr val="bg1"/>
+                </a:solidFill>
+                <a:effectLst/>
+                <a:latin typeface="Bell MT" panose="02020503060305020303" pitchFamily="18" charset="0"/>
+              </a:rPr>
+              <a:t>RF-12: O sistema deve ter acessibilidade para deficientes visuais. (requisito excitante)</a:t>
+            </a:r>
+          </a:p>
+          <a:p>
+            <a:pPr algn="l">
+              <a:buFont typeface="Arial" panose="020B0604020202020204" pitchFamily="34" charset="0"/>
+              <a:buChar char="•"/>
+            </a:pPr>
+            <a:endParaRPr lang="pt-BR" sz="2000" b="0" i="0" dirty="0">
+              <a:solidFill>
+                <a:schemeClr val="bg1"/>
+              </a:solidFill>
+              <a:effectLst/>
+              <a:latin typeface="-apple-system"/>
+            </a:endParaRPr>
+          </a:p>
+        </p:txBody>
+      </p:sp>
+    </p:spTree>
+    <p:extLst>
+      <p:ext uri="{BB962C8B-B14F-4D97-AF65-F5344CB8AC3E}">
+        <p14:creationId xmlns:p14="http://schemas.microsoft.com/office/powerpoint/2010/main" val="1454668213"/>
+      </p:ext>
+    </p:extLst>
+  </p:cSld>
+  <p:clrMapOvr>
+    <a:masterClrMapping/>
+  </p:clrMapOvr>
+</p:sld>
+</file>
+
+<file path=ppt/slides/slide13.xml><?xml version="1.0" encoding="utf-8"?>
+<p:sld xmlns:a="http://schemas.openxmlformats.org/drawingml/2006/main" xmlns:r="http://schemas.openxmlformats.org/officeDocument/2006/relationships" xmlns:p="http://schemas.openxmlformats.org/presentationml/2006/main">
+  <p:cSld>
+    <p:spTree>
+      <p:nvGrpSpPr>
+        <p:cNvPr id="1" name=""/>
+        <p:cNvGrpSpPr/>
+        <p:nvPr/>
+      </p:nvGrpSpPr>
+      <p:grpSpPr>
+        <a:xfrm>
+          <a:off x="0" y="0"/>
+          <a:ext cx="0" cy="0"/>
+          <a:chOff x="0" y="0"/>
+          <a:chExt cx="0" cy="0"/>
+        </a:xfrm>
+      </p:grpSpPr>
+      <p:sp>
+        <p:nvSpPr>
+          <p:cNvPr id="2" name="CaixaDeTexto 1">
+            <a:extLst>
+              <a:ext uri="{FF2B5EF4-FFF2-40B4-BE49-F238E27FC236}">
+                <a16:creationId xmlns:a16="http://schemas.microsoft.com/office/drawing/2014/main" id="{30BF49DF-E240-4E73-A2B7-19CA198B8DEE}"/>
+              </a:ext>
+            </a:extLst>
+          </p:cNvPr>
+          <p:cNvSpPr txBox="1"/>
+          <p:nvPr/>
+        </p:nvSpPr>
+        <p:spPr>
+          <a:xfrm>
             <a:off x="705888" y="425903"/>
             <a:ext cx="10560826" cy="1046440"/>
           </a:xfrm>
@@ -3736,7 +4471,7 @@
 </p:sld>
 </file>
 
-<file path=ppt/slides/slide11.xml><?xml version="1.0" encoding="utf-8"?>
+<file path=ppt/slides/slide14.xml><?xml version="1.0" encoding="utf-8"?>
 <p:sld xmlns:a="http://schemas.openxmlformats.org/drawingml/2006/main" xmlns:r="http://schemas.openxmlformats.org/officeDocument/2006/relationships" xmlns:p="http://schemas.openxmlformats.org/presentationml/2006/main">
   <p:cSld>
     <p:spTree>
@@ -4737,7 +5472,7 @@
         <p:spPr>
           <a:xfrm>
             <a:off x="698687" y="438150"/>
-            <a:ext cx="4894729" cy="1046440"/>
+            <a:ext cx="4894729" cy="1723549"/>
           </a:xfrm>
           <a:prstGeom prst="rect">
             <a:avLst/>
@@ -4757,7 +5492,7 @@
                 </a:solidFill>
                 <a:latin typeface="Bell MT" panose="02020503060305020303" pitchFamily="18" charset="0"/>
               </a:rPr>
-              <a:t>LAYOUT</a:t>
+              <a:t>LAYOUT TELA DE LOGIN WEB</a:t>
             </a:r>
           </a:p>
           <a:p>
@@ -4767,10 +5502,10 @@
       </p:sp>
       <p:pic>
         <p:nvPicPr>
-          <p:cNvPr id="10" name="Imagem 9">
-            <a:extLst>
-              <a:ext uri="{FF2B5EF4-FFF2-40B4-BE49-F238E27FC236}">
-                <a16:creationId xmlns:a16="http://schemas.microsoft.com/office/drawing/2014/main" id="{34B30B14-6ACD-BFBE-B72B-C64DA6B57B96}"/>
+          <p:cNvPr id="3" name="Imagem 2">
+            <a:extLst>
+              <a:ext uri="{FF2B5EF4-FFF2-40B4-BE49-F238E27FC236}">
+                <a16:creationId xmlns:a16="http://schemas.microsoft.com/office/drawing/2014/main" id="{60BBAB22-BB5D-4B2C-A701-3FAADDE46F23}"/>
               </a:ext>
             </a:extLst>
           </p:cNvPr>
@@ -4787,8 +5522,8 @@
         </p:blipFill>
         <p:spPr>
           <a:xfrm>
-            <a:off x="698687" y="1122973"/>
-            <a:ext cx="10493560" cy="5066812"/>
+            <a:off x="1686187" y="1794177"/>
+            <a:ext cx="7994708" cy="4487421"/>
           </a:xfrm>
           <a:prstGeom prst="rect">
             <a:avLst/>
@@ -4827,10 +5562,10 @@
       </p:grpSpPr>
       <p:sp>
         <p:nvSpPr>
-          <p:cNvPr id="3" name="CaixaDeTexto 2">
-            <a:extLst>
-              <a:ext uri="{FF2B5EF4-FFF2-40B4-BE49-F238E27FC236}">
-                <a16:creationId xmlns:a16="http://schemas.microsoft.com/office/drawing/2014/main" id="{0F5150B3-DEE2-AB5C-ED1D-38232723E048}"/>
+          <p:cNvPr id="2" name="CaixaDeTexto 1">
+            <a:extLst>
+              <a:ext uri="{FF2B5EF4-FFF2-40B4-BE49-F238E27FC236}">
+                <a16:creationId xmlns:a16="http://schemas.microsoft.com/office/drawing/2014/main" id="{30BF49DF-E240-4E73-A2B7-19CA198B8DEE}"/>
               </a:ext>
             </a:extLst>
           </p:cNvPr>
@@ -4839,8 +5574,8 @@
         </p:nvSpPr>
         <p:spPr>
           <a:xfrm>
-            <a:off x="706581" y="429491"/>
-            <a:ext cx="7093528" cy="769441"/>
+            <a:off x="698687" y="438150"/>
+            <a:ext cx="5148440" cy="1723549"/>
           </a:xfrm>
           <a:prstGeom prst="rect">
             <a:avLst/>
@@ -4860,22 +5595,25 @@
                 </a:solidFill>
                 <a:latin typeface="Bell MT" panose="02020503060305020303" pitchFamily="18" charset="0"/>
               </a:rPr>
-              <a:t>Página de Tickets</a:t>
-            </a:r>
+              <a:t>LAYOUT TELA DE LOGIN MOBILE</a:t>
+            </a:r>
+          </a:p>
+          <a:p>
+            <a:endParaRPr lang="pt-BR" dirty="0"/>
           </a:p>
         </p:txBody>
       </p:sp>
       <p:pic>
         <p:nvPicPr>
-          <p:cNvPr id="7" name="Imagem 6" descr="Tela de computador com texto preto sobre fundo branco&#10;&#10;Descrição gerada automaticamente">
-            <a:extLst>
-              <a:ext uri="{FF2B5EF4-FFF2-40B4-BE49-F238E27FC236}">
-                <a16:creationId xmlns:a16="http://schemas.microsoft.com/office/drawing/2014/main" id="{CB438E7D-2810-472E-D389-86ED0F255FA8}"/>
+          <p:cNvPr id="3074" name="Picture 2" descr="Login mobile 3.png">
+            <a:extLst>
+              <a:ext uri="{FF2B5EF4-FFF2-40B4-BE49-F238E27FC236}">
+                <a16:creationId xmlns:a16="http://schemas.microsoft.com/office/drawing/2014/main" id="{EFE982FF-EC38-495A-AC33-80B1999B8E07}"/>
               </a:ext>
             </a:extLst>
           </p:cNvPr>
           <p:cNvPicPr>
-            <a:picLocks noChangeAspect="1"/>
+            <a:picLocks noChangeAspect="1" noChangeArrowheads="1"/>
           </p:cNvPicPr>
           <p:nvPr/>
         </p:nvPicPr>
@@ -4887,24 +5625,35 @@
               </a:ext>
             </a:extLst>
           </a:blip>
+          <a:srcRect/>
           <a:stretch>
             <a:fillRect/>
           </a:stretch>
         </p:blipFill>
-        <p:spPr>
+        <p:spPr bwMode="auto">
           <a:xfrm>
-            <a:off x="354009" y="1302327"/>
-            <a:ext cx="11483982" cy="5555673"/>
+            <a:off x="7206143" y="274739"/>
+            <a:ext cx="2914770" cy="6308521"/>
           </a:xfrm>
           <a:prstGeom prst="rect">
             <a:avLst/>
           </a:prstGeom>
+          <a:noFill/>
+          <a:extLst>
+            <a:ext uri="{909E8E84-426E-40DD-AFC4-6F175D3DCCD1}">
+              <a14:hiddenFill xmlns:a14="http://schemas.microsoft.com/office/drawing/2010/main">
+                <a:solidFill>
+                  <a:srgbClr val="FFFFFF"/>
+                </a:solidFill>
+              </a14:hiddenFill>
+            </a:ext>
+          </a:extLst>
         </p:spPr>
       </p:pic>
     </p:spTree>
     <p:extLst>
       <p:ext uri="{BB962C8B-B14F-4D97-AF65-F5344CB8AC3E}">
-        <p14:creationId xmlns:p14="http://schemas.microsoft.com/office/powerpoint/2010/main" val="2038421166"/>
+        <p14:creationId xmlns:p14="http://schemas.microsoft.com/office/powerpoint/2010/main" val="3692168116"/>
       </p:ext>
     </p:extLst>
   </p:cSld>
@@ -4946,7 +5695,7 @@
         <p:spPr>
           <a:xfrm>
             <a:off x="698687" y="438150"/>
-            <a:ext cx="4894729" cy="1046440"/>
+            <a:ext cx="4894729" cy="1723549"/>
           </a:xfrm>
           <a:prstGeom prst="rect">
             <a:avLst/>
@@ -4968,6 +5717,23 @@
               </a:rPr>
               <a:t>CASOS DE USO</a:t>
             </a:r>
+            <a:br>
+              <a:rPr lang="pt-BR" sz="4400" b="1" dirty="0">
+                <a:solidFill>
+                  <a:schemeClr val="bg1"/>
+                </a:solidFill>
+                <a:latin typeface="Bell MT" panose="02020503060305020303" pitchFamily="18" charset="0"/>
+              </a:rPr>
+            </a:br>
+            <a:r>
+              <a:rPr lang="pt-BR" sz="4400" b="1" dirty="0">
+                <a:solidFill>
+                  <a:schemeClr val="bg1"/>
+                </a:solidFill>
+                <a:latin typeface="Bell MT" panose="02020503060305020303" pitchFamily="18" charset="0"/>
+              </a:rPr>
+              <a:t>TELA DE LOGIN</a:t>
+            </a:r>
           </a:p>
           <a:p>
             <a:endParaRPr lang="pt-BR" dirty="0"/>
@@ -4976,49 +5742,32 @@
       </p:sp>
       <p:pic>
         <p:nvPicPr>
-          <p:cNvPr id="2050" name="Picture 2">
-            <a:extLst>
-              <a:ext uri="{FF2B5EF4-FFF2-40B4-BE49-F238E27FC236}">
-                <a16:creationId xmlns:a16="http://schemas.microsoft.com/office/drawing/2014/main" id="{EEE0FF1A-8374-B808-9010-D2FC57F0AA89}"/>
+          <p:cNvPr id="3" name="Imagem 2">
+            <a:extLst>
+              <a:ext uri="{FF2B5EF4-FFF2-40B4-BE49-F238E27FC236}">
+                <a16:creationId xmlns:a16="http://schemas.microsoft.com/office/drawing/2014/main" id="{C3935E63-4720-4B83-AEA1-75A945D6C2BB}"/>
               </a:ext>
             </a:extLst>
           </p:cNvPr>
           <p:cNvPicPr>
-            <a:picLocks noChangeAspect="1" noChangeArrowheads="1"/>
+            <a:picLocks noChangeAspect="1"/>
           </p:cNvPicPr>
           <p:nvPr/>
         </p:nvPicPr>
         <p:blipFill>
-          <a:blip r:embed="rId2">
-            <a:extLst>
-              <a:ext uri="{28A0092B-C50C-407E-A947-70E740481C1C}">
-                <a14:useLocalDpi xmlns:a14="http://schemas.microsoft.com/office/drawing/2010/main" val="0"/>
-              </a:ext>
-            </a:extLst>
-          </a:blip>
-          <a:srcRect/>
+          <a:blip r:embed="rId2"/>
           <a:stretch>
             <a:fillRect/>
           </a:stretch>
         </p:blipFill>
-        <p:spPr bwMode="auto">
+        <p:spPr>
           <a:xfrm>
-            <a:off x="946082" y="1148777"/>
-            <a:ext cx="9294668" cy="5709223"/>
+            <a:off x="5432784" y="835535"/>
+            <a:ext cx="5706996" cy="5458480"/>
           </a:xfrm>
           <a:prstGeom prst="rect">
             <a:avLst/>
           </a:prstGeom>
-          <a:noFill/>
-          <a:extLst>
-            <a:ext uri="{909E8E84-426E-40DD-AFC4-6F175D3DCCD1}">
-              <a14:hiddenFill xmlns:a14="http://schemas.microsoft.com/office/drawing/2010/main">
-                <a:solidFill>
-                  <a:srgbClr val="FFFFFF"/>
-                </a:solidFill>
-              </a14:hiddenFill>
-            </a:ext>
-          </a:extLst>
         </p:spPr>
       </p:pic>
     </p:spTree>
@@ -5053,10 +5802,10 @@
       </p:grpSpPr>
       <p:sp>
         <p:nvSpPr>
-          <p:cNvPr id="2" name="CaixaDeTexto 1">
-            <a:extLst>
-              <a:ext uri="{FF2B5EF4-FFF2-40B4-BE49-F238E27FC236}">
-                <a16:creationId xmlns:a16="http://schemas.microsoft.com/office/drawing/2014/main" id="{30BF49DF-E240-4E73-A2B7-19CA198B8DEE}"/>
+          <p:cNvPr id="3" name="CaixaDeTexto 2">
+            <a:extLst>
+              <a:ext uri="{FF2B5EF4-FFF2-40B4-BE49-F238E27FC236}">
+                <a16:creationId xmlns:a16="http://schemas.microsoft.com/office/drawing/2014/main" id="{0F5150B3-DEE2-AB5C-ED1D-38232723E048}"/>
               </a:ext>
             </a:extLst>
           </p:cNvPr>
@@ -5065,8 +5814,8 @@
         </p:nvSpPr>
         <p:spPr>
           <a:xfrm>
-            <a:off x="698687" y="419100"/>
-            <a:ext cx="8264338" cy="1046440"/>
+            <a:off x="706581" y="429491"/>
+            <a:ext cx="7093528" cy="769441"/>
           </a:xfrm>
           <a:prstGeom prst="rect">
             <a:avLst/>
@@ -5086,187 +5835,62 @@
                 </a:solidFill>
                 <a:latin typeface="Bell MT" panose="02020503060305020303" pitchFamily="18" charset="0"/>
               </a:rPr>
-              <a:t>REQUISITOS FUNCIONAIS</a:t>
-            </a:r>
-          </a:p>
-          <a:p>
-            <a:endParaRPr lang="pt-BR" dirty="0"/>
-          </a:p>
-        </p:txBody>
-      </p:sp>
-      <p:sp>
-        <p:nvSpPr>
-          <p:cNvPr id="3" name="CaixaDeTexto 2">
-            <a:extLst>
-              <a:ext uri="{FF2B5EF4-FFF2-40B4-BE49-F238E27FC236}">
-                <a16:creationId xmlns:a16="http://schemas.microsoft.com/office/drawing/2014/main" id="{CFC4ECA0-255A-4635-91F9-5BBFE452EE8E}"/>
-              </a:ext>
-            </a:extLst>
-          </p:cNvPr>
-          <p:cNvSpPr txBox="1"/>
+              <a:t>Página de Tickets Internos</a:t>
+            </a:r>
+          </a:p>
+        </p:txBody>
+      </p:sp>
+      <p:pic>
+        <p:nvPicPr>
+          <p:cNvPr id="1026" name="Picture 2" descr="tickets internos.jpeg">
+            <a:extLst>
+              <a:ext uri="{FF2B5EF4-FFF2-40B4-BE49-F238E27FC236}">
+                <a16:creationId xmlns:a16="http://schemas.microsoft.com/office/drawing/2014/main" id="{BE6CCB6C-D21E-4383-8090-86E530BA9834}"/>
+              </a:ext>
+            </a:extLst>
+          </p:cNvPr>
+          <p:cNvPicPr>
+            <a:picLocks noChangeAspect="1" noChangeArrowheads="1"/>
+          </p:cNvPicPr>
           <p:nvPr/>
-        </p:nvSpPr>
-        <p:spPr>
+        </p:nvPicPr>
+        <p:blipFill>
+          <a:blip r:embed="rId2">
+            <a:extLst>
+              <a:ext uri="{28A0092B-C50C-407E-A947-70E740481C1C}">
+                <a14:useLocalDpi xmlns:a14="http://schemas.microsoft.com/office/drawing/2010/main" val="0"/>
+              </a:ext>
+            </a:extLst>
+          </a:blip>
+          <a:srcRect/>
+          <a:stretch>
+            <a:fillRect/>
+          </a:stretch>
+        </p:blipFill>
+        <p:spPr bwMode="auto">
           <a:xfrm>
-            <a:off x="536701" y="1835654"/>
-            <a:ext cx="11118597" cy="4401205"/>
+            <a:off x="509549" y="1198932"/>
+            <a:ext cx="11172902" cy="5410420"/>
           </a:xfrm>
           <a:prstGeom prst="rect">
             <a:avLst/>
           </a:prstGeom>
           <a:noFill/>
+          <a:extLst>
+            <a:ext uri="{909E8E84-426E-40DD-AFC4-6F175D3DCCD1}">
+              <a14:hiddenFill xmlns:a14="http://schemas.microsoft.com/office/drawing/2010/main">
+                <a:solidFill>
+                  <a:srgbClr val="FFFFFF"/>
+                </a:solidFill>
+              </a14:hiddenFill>
+            </a:ext>
+          </a:extLst>
         </p:spPr>
-        <p:txBody>
-          <a:bodyPr wrap="square" rtlCol="0">
-            <a:spAutoFit/>
-          </a:bodyPr>
-          <a:lstStyle/>
-          <a:p>
-            <a:pPr algn="l">
-              <a:buFont typeface="Arial" panose="020B0604020202020204" pitchFamily="34" charset="0"/>
-              <a:buChar char="•"/>
-            </a:pPr>
-            <a:r>
-              <a:rPr lang="pt-BR" sz="2000" b="0" i="0" dirty="0">
-                <a:solidFill>
-                  <a:schemeClr val="bg1"/>
-                </a:solidFill>
-                <a:effectLst/>
-                <a:latin typeface="Bell MT" panose="02020503060305020303" pitchFamily="18" charset="0"/>
-              </a:rPr>
-              <a:t>RF-1: O sistema deve definir SLA (documento que define as diretrizes operacionais, normas, procedimentos e métricas que devem ser seguidas por sua equipe de suporte, a fim de garantir o nível de satisfação dos clientes ideal) para cada tipo de chamado. (requisito normal)</a:t>
-            </a:r>
-          </a:p>
-          <a:p>
-            <a:pPr algn="l">
-              <a:buFont typeface="Arial" panose="020B0604020202020204" pitchFamily="34" charset="0"/>
-              <a:buChar char="•"/>
-            </a:pPr>
-            <a:endParaRPr lang="pt-BR" sz="2000" b="0" i="0" dirty="0">
-              <a:solidFill>
-                <a:schemeClr val="bg1"/>
-              </a:solidFill>
-              <a:effectLst/>
-              <a:latin typeface="Bell MT" panose="02020503060305020303" pitchFamily="18" charset="0"/>
-            </a:endParaRPr>
-          </a:p>
-          <a:p>
-            <a:pPr algn="l"/>
-            <a:endParaRPr lang="pt-BR" sz="2000" b="0" i="0" dirty="0">
-              <a:solidFill>
-                <a:schemeClr val="bg1"/>
-              </a:solidFill>
-              <a:effectLst/>
-              <a:latin typeface="Bell MT" panose="02020503060305020303" pitchFamily="18" charset="0"/>
-            </a:endParaRPr>
-          </a:p>
-          <a:p>
-            <a:pPr algn="l">
-              <a:buFont typeface="Arial" panose="020B0604020202020204" pitchFamily="34" charset="0"/>
-              <a:buChar char="•"/>
-            </a:pPr>
-            <a:r>
-              <a:rPr lang="pt-BR" sz="2000" b="0" i="0" dirty="0">
-                <a:solidFill>
-                  <a:schemeClr val="bg1"/>
-                </a:solidFill>
-                <a:effectLst/>
-                <a:latin typeface="Bell MT" panose="02020503060305020303" pitchFamily="18" charset="0"/>
-              </a:rPr>
-              <a:t>RF-2: O sistema deve apresentar uma área de avaliação do serviço. (requisito normal)</a:t>
-            </a:r>
-          </a:p>
-          <a:p>
-            <a:pPr algn="l"/>
-            <a:endParaRPr lang="pt-BR" sz="2000" b="0" i="0" dirty="0">
-              <a:solidFill>
-                <a:schemeClr val="bg1"/>
-              </a:solidFill>
-              <a:effectLst/>
-              <a:latin typeface="Bell MT" panose="02020503060305020303" pitchFamily="18" charset="0"/>
-            </a:endParaRPr>
-          </a:p>
-          <a:p>
-            <a:pPr algn="l"/>
-            <a:endParaRPr lang="pt-BR" sz="2000" b="0" i="0" dirty="0">
-              <a:solidFill>
-                <a:schemeClr val="bg1"/>
-              </a:solidFill>
-              <a:effectLst/>
-              <a:latin typeface="Bell MT" panose="02020503060305020303" pitchFamily="18" charset="0"/>
-            </a:endParaRPr>
-          </a:p>
-          <a:p>
-            <a:pPr algn="l">
-              <a:buFont typeface="Arial" panose="020B0604020202020204" pitchFamily="34" charset="0"/>
-              <a:buChar char="•"/>
-            </a:pPr>
-            <a:r>
-              <a:rPr lang="pt-BR" sz="2000" b="0" i="0" dirty="0">
-                <a:solidFill>
-                  <a:schemeClr val="bg1"/>
-                </a:solidFill>
-                <a:effectLst/>
-                <a:latin typeface="Bell MT" panose="02020503060305020303" pitchFamily="18" charset="0"/>
-              </a:rPr>
-              <a:t>RF-3: O sistema deve permitir que o chamado seja alterado mesmo após ele estar em andamento, como mudança de departamento do chamado. (requisito normal)</a:t>
-            </a:r>
-          </a:p>
-          <a:p>
-            <a:pPr algn="l">
-              <a:buFont typeface="Arial" panose="020B0604020202020204" pitchFamily="34" charset="0"/>
-              <a:buChar char="•"/>
-            </a:pPr>
-            <a:endParaRPr lang="pt-BR" sz="2000" b="0" i="0" dirty="0">
-              <a:solidFill>
-                <a:schemeClr val="bg1"/>
-              </a:solidFill>
-              <a:effectLst/>
-              <a:latin typeface="Bell MT" panose="02020503060305020303" pitchFamily="18" charset="0"/>
-            </a:endParaRPr>
-          </a:p>
-          <a:p>
-            <a:pPr algn="l"/>
-            <a:endParaRPr lang="pt-BR" sz="2000" b="0" i="0" dirty="0">
-              <a:solidFill>
-                <a:schemeClr val="bg1"/>
-              </a:solidFill>
-              <a:effectLst/>
-              <a:latin typeface="Bell MT" panose="02020503060305020303" pitchFamily="18" charset="0"/>
-            </a:endParaRPr>
-          </a:p>
-          <a:p>
-            <a:pPr algn="l">
-              <a:buFont typeface="Arial" panose="020B0604020202020204" pitchFamily="34" charset="0"/>
-              <a:buChar char="•"/>
-            </a:pPr>
-            <a:r>
-              <a:rPr lang="pt-BR" sz="2000" b="0" i="0" dirty="0">
-                <a:solidFill>
-                  <a:schemeClr val="bg1"/>
-                </a:solidFill>
-                <a:effectLst/>
-                <a:latin typeface="Bell MT" panose="02020503060305020303" pitchFamily="18" charset="0"/>
-              </a:rPr>
-              <a:t>RF-4: O sistema deve possuir um prazo (timeout) para o chamado continuar aberto. (requisito normal)</a:t>
-            </a:r>
-          </a:p>
-          <a:p>
-            <a:pPr algn="l"/>
-            <a:endParaRPr lang="pt-BR" sz="2000" b="0" i="0" dirty="0">
-              <a:solidFill>
-                <a:schemeClr val="bg1"/>
-              </a:solidFill>
-              <a:effectLst/>
-              <a:latin typeface="Bell MT" panose="02020503060305020303" pitchFamily="18" charset="0"/>
-            </a:endParaRPr>
-          </a:p>
-        </p:txBody>
-      </p:sp>
+      </p:pic>
     </p:spTree>
     <p:extLst>
       <p:ext uri="{BB962C8B-B14F-4D97-AF65-F5344CB8AC3E}">
-        <p14:creationId xmlns:p14="http://schemas.microsoft.com/office/powerpoint/2010/main" val="2918925077"/>
+        <p14:creationId xmlns:p14="http://schemas.microsoft.com/office/powerpoint/2010/main" val="2038421166"/>
       </p:ext>
     </p:extLst>
   </p:cSld>
@@ -5295,10 +5919,10 @@
       </p:grpSpPr>
       <p:sp>
         <p:nvSpPr>
-          <p:cNvPr id="2" name="CaixaDeTexto 1">
-            <a:extLst>
-              <a:ext uri="{FF2B5EF4-FFF2-40B4-BE49-F238E27FC236}">
-                <a16:creationId xmlns:a16="http://schemas.microsoft.com/office/drawing/2014/main" id="{30BF49DF-E240-4E73-A2B7-19CA198B8DEE}"/>
+          <p:cNvPr id="3" name="CaixaDeTexto 2">
+            <a:extLst>
+              <a:ext uri="{FF2B5EF4-FFF2-40B4-BE49-F238E27FC236}">
+                <a16:creationId xmlns:a16="http://schemas.microsoft.com/office/drawing/2014/main" id="{0F5150B3-DEE2-AB5C-ED1D-38232723E048}"/>
               </a:ext>
             </a:extLst>
           </p:cNvPr>
@@ -5307,8 +5931,8 @@
         </p:nvSpPr>
         <p:spPr>
           <a:xfrm>
-            <a:off x="705888" y="425903"/>
-            <a:ext cx="8116020" cy="1046440"/>
+            <a:off x="706581" y="429491"/>
+            <a:ext cx="7093528" cy="769441"/>
           </a:xfrm>
           <a:prstGeom prst="rect">
             <a:avLst/>
@@ -5328,181 +5952,62 @@
                 </a:solidFill>
                 <a:latin typeface="Bell MT" panose="02020503060305020303" pitchFamily="18" charset="0"/>
               </a:rPr>
-              <a:t>REQUISITOS FUNCIONAIS</a:t>
-            </a:r>
-          </a:p>
-          <a:p>
-            <a:endParaRPr lang="pt-BR" dirty="0"/>
-          </a:p>
-        </p:txBody>
-      </p:sp>
-      <p:sp>
-        <p:nvSpPr>
-          <p:cNvPr id="3" name="CaixaDeTexto 2">
-            <a:extLst>
-              <a:ext uri="{FF2B5EF4-FFF2-40B4-BE49-F238E27FC236}">
-                <a16:creationId xmlns:a16="http://schemas.microsoft.com/office/drawing/2014/main" id="{CFC4ECA0-255A-4635-91F9-5BBFE452EE8E}"/>
-              </a:ext>
-            </a:extLst>
-          </p:cNvPr>
-          <p:cNvSpPr txBox="1"/>
+              <a:t>Página de Tickets Externos</a:t>
+            </a:r>
+          </a:p>
+        </p:txBody>
+      </p:sp>
+      <p:pic>
+        <p:nvPicPr>
+          <p:cNvPr id="2050" name="Picture 2" descr="tickets externos.jpeg">
+            <a:extLst>
+              <a:ext uri="{FF2B5EF4-FFF2-40B4-BE49-F238E27FC236}">
+                <a16:creationId xmlns:a16="http://schemas.microsoft.com/office/drawing/2014/main" id="{E780A9EE-C4C6-4A09-88B7-808346C82D79}"/>
+              </a:ext>
+            </a:extLst>
+          </p:cNvPr>
+          <p:cNvPicPr>
+            <a:picLocks noChangeAspect="1" noChangeArrowheads="1"/>
+          </p:cNvPicPr>
           <p:nvPr/>
-        </p:nvSpPr>
-        <p:spPr>
+        </p:nvPicPr>
+        <p:blipFill>
+          <a:blip r:embed="rId2">
+            <a:extLst>
+              <a:ext uri="{28A0092B-C50C-407E-A947-70E740481C1C}">
+                <a14:useLocalDpi xmlns:a14="http://schemas.microsoft.com/office/drawing/2010/main" val="0"/>
+              </a:ext>
+            </a:extLst>
+          </a:blip>
+          <a:srcRect/>
+          <a:stretch>
+            <a:fillRect/>
+          </a:stretch>
+        </p:blipFill>
+        <p:spPr bwMode="auto">
           <a:xfrm>
-            <a:off x="509946" y="1833064"/>
-            <a:ext cx="10996253" cy="4401205"/>
+            <a:off x="324374" y="1198932"/>
+            <a:ext cx="11543251" cy="5568716"/>
           </a:xfrm>
           <a:prstGeom prst="rect">
             <a:avLst/>
           </a:prstGeom>
           <a:noFill/>
+          <a:extLst>
+            <a:ext uri="{909E8E84-426E-40DD-AFC4-6F175D3DCCD1}">
+              <a14:hiddenFill xmlns:a14="http://schemas.microsoft.com/office/drawing/2010/main">
+                <a:solidFill>
+                  <a:srgbClr val="FFFFFF"/>
+                </a:solidFill>
+              </a14:hiddenFill>
+            </a:ext>
+          </a:extLst>
         </p:spPr>
-        <p:txBody>
-          <a:bodyPr wrap="square" rtlCol="0">
-            <a:spAutoFit/>
-          </a:bodyPr>
-          <a:lstStyle/>
-          <a:p>
-            <a:pPr algn="l">
-              <a:buFont typeface="Arial" panose="020B0604020202020204" pitchFamily="34" charset="0"/>
-              <a:buChar char="•"/>
-            </a:pPr>
-            <a:r>
-              <a:rPr lang="pt-BR" sz="2000" b="0" i="0" dirty="0">
-                <a:solidFill>
-                  <a:schemeClr val="bg1"/>
-                </a:solidFill>
-                <a:effectLst/>
-                <a:latin typeface="Bell MT" panose="02020503060305020303" pitchFamily="18" charset="0"/>
-              </a:rPr>
-              <a:t>RF-5: O sistema deve permitir que os chamados possam ser reabertos. (requisito normal)</a:t>
-            </a:r>
-          </a:p>
-          <a:p>
-            <a:pPr algn="l"/>
-            <a:endParaRPr lang="pt-BR" sz="2000" b="0" i="0" dirty="0">
-              <a:solidFill>
-                <a:schemeClr val="bg1"/>
-              </a:solidFill>
-              <a:effectLst/>
-              <a:latin typeface="Bell MT" panose="02020503060305020303" pitchFamily="18" charset="0"/>
-            </a:endParaRPr>
-          </a:p>
-          <a:p>
-            <a:pPr algn="l"/>
-            <a:endParaRPr lang="pt-BR" sz="2000" b="0" i="0" dirty="0">
-              <a:solidFill>
-                <a:schemeClr val="bg1"/>
-              </a:solidFill>
-              <a:effectLst/>
-              <a:latin typeface="Bell MT" panose="02020503060305020303" pitchFamily="18" charset="0"/>
-            </a:endParaRPr>
-          </a:p>
-          <a:p>
-            <a:pPr algn="l">
-              <a:buFont typeface="Arial" panose="020B0604020202020204" pitchFamily="34" charset="0"/>
-              <a:buChar char="•"/>
-            </a:pPr>
-            <a:r>
-              <a:rPr lang="pt-BR" sz="2000" b="0" i="0" dirty="0">
-                <a:solidFill>
-                  <a:schemeClr val="bg1"/>
-                </a:solidFill>
-                <a:effectLst/>
-                <a:latin typeface="Bell MT" panose="02020503060305020303" pitchFamily="18" charset="0"/>
-              </a:rPr>
-              <a:t>RF-6: O sistema deve possuir um dashboard para cada departamento. a quantidade de chamados abertos para o departamento. As seguintes informações: status de chamados, fluxos de chamados, não necessariamente os fechados, mas devem aparecer em buscas e quantos chamados fechados no dia. (requisito normal)</a:t>
-            </a:r>
-          </a:p>
-          <a:p>
-            <a:pPr algn="l">
-              <a:buFont typeface="Arial" panose="020B0604020202020204" pitchFamily="34" charset="0"/>
-              <a:buChar char="•"/>
-            </a:pPr>
-            <a:endParaRPr lang="pt-BR" sz="2000" dirty="0">
-              <a:solidFill>
-                <a:schemeClr val="bg1"/>
-              </a:solidFill>
-              <a:latin typeface="Bell MT" panose="02020503060305020303" pitchFamily="18" charset="0"/>
-            </a:endParaRPr>
-          </a:p>
-          <a:p>
-            <a:pPr algn="l">
-              <a:buFont typeface="Arial" panose="020B0604020202020204" pitchFamily="34" charset="0"/>
-              <a:buChar char="•"/>
-            </a:pPr>
-            <a:endParaRPr lang="pt-BR" sz="2000" b="0" i="0" dirty="0">
-              <a:solidFill>
-                <a:schemeClr val="bg1"/>
-              </a:solidFill>
-              <a:effectLst/>
-              <a:latin typeface="Bell MT" panose="02020503060305020303" pitchFamily="18" charset="0"/>
-            </a:endParaRPr>
-          </a:p>
-          <a:p>
-            <a:pPr algn="l">
-              <a:buFont typeface="Arial" panose="020B0604020202020204" pitchFamily="34" charset="0"/>
-              <a:buChar char="•"/>
-            </a:pPr>
-            <a:r>
-              <a:rPr lang="pt-BR" sz="2000" b="0" i="0" dirty="0">
-                <a:solidFill>
-                  <a:schemeClr val="bg1"/>
-                </a:solidFill>
-                <a:effectLst/>
-                <a:latin typeface="Bell MT" panose="02020503060305020303" pitchFamily="18" charset="0"/>
-              </a:rPr>
-              <a:t>RF-7: O sistema deve possuir uma área para chamados internos para a equipe de ti. (requisito normal)</a:t>
-            </a:r>
-          </a:p>
-          <a:p>
-            <a:pPr algn="l">
-              <a:buFont typeface="Arial" panose="020B0604020202020204" pitchFamily="34" charset="0"/>
-              <a:buChar char="•"/>
-            </a:pPr>
-            <a:endParaRPr lang="pt-BR" sz="2000" dirty="0">
-              <a:solidFill>
-                <a:schemeClr val="bg1"/>
-              </a:solidFill>
-              <a:latin typeface="Bell MT" panose="02020503060305020303" pitchFamily="18" charset="0"/>
-            </a:endParaRPr>
-          </a:p>
-          <a:p>
-            <a:pPr algn="l">
-              <a:buFont typeface="Arial" panose="020B0604020202020204" pitchFamily="34" charset="0"/>
-              <a:buChar char="•"/>
-            </a:pPr>
-            <a:endParaRPr lang="pt-BR" sz="2000" b="0" i="0" dirty="0">
-              <a:solidFill>
-                <a:schemeClr val="bg1"/>
-              </a:solidFill>
-              <a:effectLst/>
-              <a:latin typeface="Bell MT" panose="02020503060305020303" pitchFamily="18" charset="0"/>
-            </a:endParaRPr>
-          </a:p>
-          <a:p>
-            <a:pPr algn="l">
-              <a:buFont typeface="Arial" panose="020B0604020202020204" pitchFamily="34" charset="0"/>
-              <a:buChar char="•"/>
-            </a:pPr>
-            <a:r>
-              <a:rPr lang="pt-BR" sz="2000" b="0" i="0" dirty="0">
-                <a:solidFill>
-                  <a:schemeClr val="bg1"/>
-                </a:solidFill>
-                <a:effectLst/>
-                <a:latin typeface="Bell MT" panose="02020503060305020303" pitchFamily="18" charset="0"/>
-              </a:rPr>
-              <a:t>RF-8: O sistema deve verificar se o chamado pode ser visualizado pelos diferentes departamentos, interno (restrito) e externo (geral). (requisito normal)</a:t>
-            </a:r>
-          </a:p>
-        </p:txBody>
-      </p:sp>
+      </p:pic>
     </p:spTree>
     <p:extLst>
       <p:ext uri="{BB962C8B-B14F-4D97-AF65-F5344CB8AC3E}">
-        <p14:creationId xmlns:p14="http://schemas.microsoft.com/office/powerpoint/2010/main" val="3777919093"/>
+        <p14:creationId xmlns:p14="http://schemas.microsoft.com/office/powerpoint/2010/main" val="700776208"/>
       </p:ext>
     </p:extLst>
   </p:cSld>
@@ -5543,8 +6048,8 @@
         </p:nvSpPr>
         <p:spPr>
           <a:xfrm>
-            <a:off x="705888" y="425903"/>
-            <a:ext cx="8116020" cy="1046440"/>
+            <a:off x="698687" y="438150"/>
+            <a:ext cx="4894729" cy="2400657"/>
           </a:xfrm>
           <a:prstGeom prst="rect">
             <a:avLst/>
@@ -5564,199 +6069,68 @@
                 </a:solidFill>
                 <a:latin typeface="Bell MT" panose="02020503060305020303" pitchFamily="18" charset="0"/>
               </a:rPr>
-              <a:t>REQUISITOS FUNCIONAIS</a:t>
-            </a:r>
-          </a:p>
-          <a:p>
-            <a:endParaRPr lang="pt-BR" dirty="0"/>
-          </a:p>
-        </p:txBody>
-      </p:sp>
-      <p:sp>
-        <p:nvSpPr>
-          <p:cNvPr id="3" name="CaixaDeTexto 2">
-            <a:extLst>
-              <a:ext uri="{FF2B5EF4-FFF2-40B4-BE49-F238E27FC236}">
-                <a16:creationId xmlns:a16="http://schemas.microsoft.com/office/drawing/2014/main" id="{CFC4ECA0-255A-4635-91F9-5BBFE452EE8E}"/>
-              </a:ext>
-            </a:extLst>
-          </p:cNvPr>
-          <p:cNvSpPr txBox="1"/>
+              <a:t>CASOS DE USO</a:t>
+            </a:r>
+            <a:br>
+              <a:rPr lang="pt-BR" sz="4400" b="1" dirty="0">
+                <a:solidFill>
+                  <a:schemeClr val="bg1"/>
+                </a:solidFill>
+                <a:latin typeface="Bell MT" panose="02020503060305020303" pitchFamily="18" charset="0"/>
+              </a:rPr>
+            </a:br>
+            <a:r>
+              <a:rPr lang="pt-BR" sz="4400" b="1" dirty="0">
+                <a:solidFill>
+                  <a:schemeClr val="bg1"/>
+                </a:solidFill>
+                <a:latin typeface="Bell MT" panose="02020503060305020303" pitchFamily="18" charset="0"/>
+              </a:rPr>
+              <a:t>VISUALIZACAO DE CHAMADO</a:t>
+            </a:r>
+          </a:p>
+          <a:p>
+            <a:r>
+              <a:rPr lang="pt-BR" dirty="0"/>
+              <a:t>‘</a:t>
+            </a:r>
+          </a:p>
+        </p:txBody>
+      </p:sp>
+      <p:pic>
+        <p:nvPicPr>
+          <p:cNvPr id="4" name="Imagem 3">
+            <a:extLst>
+              <a:ext uri="{FF2B5EF4-FFF2-40B4-BE49-F238E27FC236}">
+                <a16:creationId xmlns:a16="http://schemas.microsoft.com/office/drawing/2014/main" id="{5F27C636-276C-480E-8240-ADA5D6390B61}"/>
+              </a:ext>
+            </a:extLst>
+          </p:cNvPr>
+          <p:cNvPicPr>
+            <a:picLocks noChangeAspect="1"/>
+          </p:cNvPicPr>
           <p:nvPr/>
-        </p:nvSpPr>
+        </p:nvPicPr>
+        <p:blipFill>
+          <a:blip r:embed="rId2"/>
+          <a:stretch>
+            <a:fillRect/>
+          </a:stretch>
+        </p:blipFill>
         <p:spPr>
           <a:xfrm>
-            <a:off x="509946" y="1833064"/>
-            <a:ext cx="10996253" cy="3785652"/>
+            <a:off x="5128645" y="676275"/>
+            <a:ext cx="6515100" cy="5743575"/>
           </a:xfrm>
           <a:prstGeom prst="rect">
             <a:avLst/>
           </a:prstGeom>
-          <a:noFill/>
         </p:spPr>
-        <p:txBody>
-          <a:bodyPr wrap="square" rtlCol="0">
-            <a:spAutoFit/>
-          </a:bodyPr>
-          <a:lstStyle/>
-          <a:p>
-            <a:pPr algn="l">
-              <a:buFont typeface="Arial" panose="020B0604020202020204" pitchFamily="34" charset="0"/>
-              <a:buChar char="•"/>
-            </a:pPr>
-            <a:r>
-              <a:rPr lang="pt-BR" sz="2000" b="0" i="0" dirty="0">
-                <a:solidFill>
-                  <a:schemeClr val="bg1"/>
-                </a:solidFill>
-                <a:effectLst/>
-                <a:latin typeface="Bell MT" panose="02020503060305020303" pitchFamily="18" charset="0"/>
-              </a:rPr>
-              <a:t>RF-9: O sistema deve classificar cada chamado, como aberto, pendente ou expirado. (requisito normal)</a:t>
-            </a:r>
-          </a:p>
-          <a:p>
-            <a:pPr algn="l">
-              <a:buFont typeface="Arial" panose="020B0604020202020204" pitchFamily="34" charset="0"/>
-              <a:buChar char="•"/>
-            </a:pPr>
-            <a:endParaRPr lang="pt-BR" sz="2000" dirty="0">
-              <a:solidFill>
-                <a:schemeClr val="bg1"/>
-              </a:solidFill>
-              <a:latin typeface="Bell MT" panose="02020503060305020303" pitchFamily="18" charset="0"/>
-            </a:endParaRPr>
-          </a:p>
-          <a:p>
-            <a:pPr algn="l">
-              <a:buFont typeface="Arial" panose="020B0604020202020204" pitchFamily="34" charset="0"/>
-              <a:buChar char="•"/>
-            </a:pPr>
-            <a:endParaRPr lang="pt-BR" sz="2000" b="0" i="0" dirty="0">
-              <a:solidFill>
-                <a:schemeClr val="bg1"/>
-              </a:solidFill>
-              <a:effectLst/>
-              <a:latin typeface="Bell MT" panose="02020503060305020303" pitchFamily="18" charset="0"/>
-            </a:endParaRPr>
-          </a:p>
-          <a:p>
-            <a:pPr algn="l">
-              <a:buFont typeface="Arial" panose="020B0604020202020204" pitchFamily="34" charset="0"/>
-              <a:buChar char="•"/>
-            </a:pPr>
-            <a:r>
-              <a:rPr lang="pt-BR" sz="2000" b="0" i="0" dirty="0">
-                <a:solidFill>
-                  <a:schemeClr val="bg1"/>
-                </a:solidFill>
-                <a:effectLst/>
-                <a:latin typeface="Bell MT" panose="02020503060305020303" pitchFamily="18" charset="0"/>
-              </a:rPr>
-              <a:t>RF-10: Não deve ser necessária a autenticação para a abertura de um chamado. (requisito normal)</a:t>
-            </a:r>
-          </a:p>
-          <a:p>
-            <a:pPr algn="l">
-              <a:buFont typeface="Arial" panose="020B0604020202020204" pitchFamily="34" charset="0"/>
-              <a:buChar char="•"/>
-            </a:pPr>
-            <a:endParaRPr lang="pt-BR" sz="2000" dirty="0">
-              <a:solidFill>
-                <a:schemeClr val="bg1"/>
-              </a:solidFill>
-              <a:latin typeface="Bell MT" panose="02020503060305020303" pitchFamily="18" charset="0"/>
-            </a:endParaRPr>
-          </a:p>
-          <a:p>
-            <a:pPr algn="l">
-              <a:buFont typeface="Arial" panose="020B0604020202020204" pitchFamily="34" charset="0"/>
-              <a:buChar char="•"/>
-            </a:pPr>
-            <a:endParaRPr lang="pt-BR" sz="2000" b="0" i="0" dirty="0">
-              <a:solidFill>
-                <a:schemeClr val="bg1"/>
-              </a:solidFill>
-              <a:effectLst/>
-              <a:latin typeface="Bell MT" panose="02020503060305020303" pitchFamily="18" charset="0"/>
-            </a:endParaRPr>
-          </a:p>
-          <a:p>
-            <a:pPr algn="l">
-              <a:buFont typeface="Arial" panose="020B0604020202020204" pitchFamily="34" charset="0"/>
-              <a:buChar char="•"/>
-            </a:pPr>
-            <a:r>
-              <a:rPr lang="pt-BR" sz="2000" b="0" i="0" dirty="0">
-                <a:solidFill>
-                  <a:schemeClr val="bg1"/>
-                </a:solidFill>
-                <a:effectLst/>
-                <a:latin typeface="Bell MT" panose="02020503060305020303" pitchFamily="18" charset="0"/>
-              </a:rPr>
-              <a:t>RF-11: O sistema deve armazenar os dados dos chamados, como nome, número de celular, departamento (pode ser alterado), técnico, e exibir no dashboard. (requisito normal)</a:t>
-            </a:r>
-          </a:p>
-          <a:p>
-            <a:pPr algn="l">
-              <a:buFont typeface="Arial" panose="020B0604020202020204" pitchFamily="34" charset="0"/>
-              <a:buChar char="•"/>
-            </a:pPr>
-            <a:endParaRPr lang="pt-BR" sz="2000" dirty="0">
-              <a:solidFill>
-                <a:schemeClr val="bg1"/>
-              </a:solidFill>
-              <a:latin typeface="Bell MT" panose="02020503060305020303" pitchFamily="18" charset="0"/>
-            </a:endParaRPr>
-          </a:p>
-          <a:p>
-            <a:pPr algn="l">
-              <a:buFont typeface="Arial" panose="020B0604020202020204" pitchFamily="34" charset="0"/>
-              <a:buChar char="•"/>
-            </a:pPr>
-            <a:endParaRPr lang="pt-BR" sz="2000" b="0" i="0" dirty="0">
-              <a:solidFill>
-                <a:schemeClr val="bg1"/>
-              </a:solidFill>
-              <a:effectLst/>
-              <a:latin typeface="Bell MT" panose="02020503060305020303" pitchFamily="18" charset="0"/>
-            </a:endParaRPr>
-          </a:p>
-          <a:p>
-            <a:pPr algn="l">
-              <a:buFont typeface="Arial" panose="020B0604020202020204" pitchFamily="34" charset="0"/>
-              <a:buChar char="•"/>
-            </a:pPr>
-            <a:r>
-              <a:rPr lang="pt-BR" sz="2000" b="0" i="0" dirty="0">
-                <a:solidFill>
-                  <a:schemeClr val="bg1"/>
-                </a:solidFill>
-                <a:effectLst/>
-                <a:latin typeface="Bell MT" panose="02020503060305020303" pitchFamily="18" charset="0"/>
-              </a:rPr>
-              <a:t>RF-12: O sistema deve ter acessibilidade para deficientes visuais. (requisito excitante)</a:t>
-            </a:r>
-          </a:p>
-          <a:p>
-            <a:pPr algn="l">
-              <a:buFont typeface="Arial" panose="020B0604020202020204" pitchFamily="34" charset="0"/>
-              <a:buChar char="•"/>
-            </a:pPr>
-            <a:endParaRPr lang="pt-BR" sz="2000" b="0" i="0" dirty="0">
-              <a:solidFill>
-                <a:schemeClr val="bg1"/>
-              </a:solidFill>
-              <a:effectLst/>
-              <a:latin typeface="-apple-system"/>
-            </a:endParaRPr>
-          </a:p>
-        </p:txBody>
-      </p:sp>
+      </p:pic>
     </p:spTree>
     <p:extLst>
       <p:ext uri="{BB962C8B-B14F-4D97-AF65-F5344CB8AC3E}">
-        <p14:creationId xmlns:p14="http://schemas.microsoft.com/office/powerpoint/2010/main" val="1454668213"/>
+        <p14:creationId xmlns:p14="http://schemas.microsoft.com/office/powerpoint/2010/main" val="3414583849"/>
       </p:ext>
     </p:extLst>
   </p:cSld>
